--- a/figure/figure_1.pptx
+++ b/figure/figure_1.pptx
@@ -254,7 +254,7 @@
           <a:p>
             <a:fld id="{6BA11C42-C779-4649-BE4D-FBC87281CE5B}" type="datetimeFigureOut">
               <a:rPr kumimoji="1" lang="ja-JP" altLang="en-US" smtClean="0"/>
-              <a:t>2021/5/2</a:t>
+              <a:t>2021/7/8</a:t>
             </a:fld>
             <a:endParaRPr kumimoji="1" lang="ja-JP" altLang="en-US"/>
           </a:p>
@@ -456,7 +456,7 @@
           <a:p>
             <a:fld id="{6BA11C42-C779-4649-BE4D-FBC87281CE5B}" type="datetimeFigureOut">
               <a:rPr kumimoji="1" lang="ja-JP" altLang="en-US" smtClean="0"/>
-              <a:t>2021/5/2</a:t>
+              <a:t>2021/7/8</a:t>
             </a:fld>
             <a:endParaRPr kumimoji="1" lang="ja-JP" altLang="en-US"/>
           </a:p>
@@ -668,7 +668,7 @@
           <a:p>
             <a:fld id="{6BA11C42-C779-4649-BE4D-FBC87281CE5B}" type="datetimeFigureOut">
               <a:rPr kumimoji="1" lang="ja-JP" altLang="en-US" smtClean="0"/>
-              <a:t>2021/5/2</a:t>
+              <a:t>2021/7/8</a:t>
             </a:fld>
             <a:endParaRPr kumimoji="1" lang="ja-JP" altLang="en-US"/>
           </a:p>
@@ -870,7 +870,7 @@
           <a:p>
             <a:fld id="{6BA11C42-C779-4649-BE4D-FBC87281CE5B}" type="datetimeFigureOut">
               <a:rPr kumimoji="1" lang="ja-JP" altLang="en-US" smtClean="0"/>
-              <a:t>2021/5/2</a:t>
+              <a:t>2021/7/8</a:t>
             </a:fld>
             <a:endParaRPr kumimoji="1" lang="ja-JP" altLang="en-US"/>
           </a:p>
@@ -1114,7 +1114,7 @@
           <a:p>
             <a:fld id="{6BA11C42-C779-4649-BE4D-FBC87281CE5B}" type="datetimeFigureOut">
               <a:rPr kumimoji="1" lang="ja-JP" altLang="en-US" smtClean="0"/>
-              <a:t>2021/5/2</a:t>
+              <a:t>2021/7/8</a:t>
             </a:fld>
             <a:endParaRPr kumimoji="1" lang="ja-JP" altLang="en-US"/>
           </a:p>
@@ -1410,7 +1410,7 @@
           <a:p>
             <a:fld id="{6BA11C42-C779-4649-BE4D-FBC87281CE5B}" type="datetimeFigureOut">
               <a:rPr kumimoji="1" lang="ja-JP" altLang="en-US" smtClean="0"/>
-              <a:t>2021/5/2</a:t>
+              <a:t>2021/7/8</a:t>
             </a:fld>
             <a:endParaRPr kumimoji="1" lang="ja-JP" altLang="en-US"/>
           </a:p>
@@ -1841,7 +1841,7 @@
           <a:p>
             <a:fld id="{6BA11C42-C779-4649-BE4D-FBC87281CE5B}" type="datetimeFigureOut">
               <a:rPr kumimoji="1" lang="ja-JP" altLang="en-US" smtClean="0"/>
-              <a:t>2021/5/2</a:t>
+              <a:t>2021/7/8</a:t>
             </a:fld>
             <a:endParaRPr kumimoji="1" lang="ja-JP" altLang="en-US"/>
           </a:p>
@@ -1959,7 +1959,7 @@
           <a:p>
             <a:fld id="{6BA11C42-C779-4649-BE4D-FBC87281CE5B}" type="datetimeFigureOut">
               <a:rPr kumimoji="1" lang="ja-JP" altLang="en-US" smtClean="0"/>
-              <a:t>2021/5/2</a:t>
+              <a:t>2021/7/8</a:t>
             </a:fld>
             <a:endParaRPr kumimoji="1" lang="ja-JP" altLang="en-US"/>
           </a:p>
@@ -2054,7 +2054,7 @@
           <a:p>
             <a:fld id="{6BA11C42-C779-4649-BE4D-FBC87281CE5B}" type="datetimeFigureOut">
               <a:rPr kumimoji="1" lang="ja-JP" altLang="en-US" smtClean="0"/>
-              <a:t>2021/5/2</a:t>
+              <a:t>2021/7/8</a:t>
             </a:fld>
             <a:endParaRPr kumimoji="1" lang="ja-JP" altLang="en-US"/>
           </a:p>
@@ -2363,7 +2363,7 @@
           <a:p>
             <a:fld id="{6BA11C42-C779-4649-BE4D-FBC87281CE5B}" type="datetimeFigureOut">
               <a:rPr kumimoji="1" lang="ja-JP" altLang="en-US" smtClean="0"/>
-              <a:t>2021/5/2</a:t>
+              <a:t>2021/7/8</a:t>
             </a:fld>
             <a:endParaRPr kumimoji="1" lang="ja-JP" altLang="en-US"/>
           </a:p>
@@ -2620,7 +2620,7 @@
           <a:p>
             <a:fld id="{6BA11C42-C779-4649-BE4D-FBC87281CE5B}" type="datetimeFigureOut">
               <a:rPr kumimoji="1" lang="ja-JP" altLang="en-US" smtClean="0"/>
-              <a:t>2021/5/2</a:t>
+              <a:t>2021/7/8</a:t>
             </a:fld>
             <a:endParaRPr kumimoji="1" lang="ja-JP" altLang="en-US"/>
           </a:p>
@@ -2865,7 +2865,7 @@
           <a:p>
             <a:fld id="{6BA11C42-C779-4649-BE4D-FBC87281CE5B}" type="datetimeFigureOut">
               <a:rPr kumimoji="1" lang="ja-JP" altLang="en-US" smtClean="0"/>
-              <a:t>2021/5/2</a:t>
+              <a:t>2021/7/8</a:t>
             </a:fld>
             <a:endParaRPr kumimoji="1" lang="ja-JP" altLang="en-US"/>
           </a:p>
@@ -3272,10 +3272,10 @@
       </p:grpSpPr>
       <p:pic>
         <p:nvPicPr>
-          <p:cNvPr id="3" name="図 2">
+          <p:cNvPr id="4" name="図 3">
             <a:extLst>
               <a:ext uri="{FF2B5EF4-FFF2-40B4-BE49-F238E27FC236}">
-                <a16:creationId xmlns:a16="http://schemas.microsoft.com/office/drawing/2014/main" id="{20A4A5BC-09FF-2B41-AB19-CC4870E05FB9}"/>
+                <a16:creationId xmlns:a16="http://schemas.microsoft.com/office/drawing/2014/main" id="{11BC6A4B-13C5-A34C-8899-503151CD7BA6}"/>
               </a:ext>
             </a:extLst>
           </p:cNvPr>
@@ -3292,7 +3292,7 @@
         </p:blipFill>
         <p:spPr>
           <a:xfrm>
-            <a:off x="3294062" y="3908"/>
+            <a:off x="3303319" y="1588"/>
             <a:ext cx="3327400" cy="4318000"/>
           </a:xfrm>
           <a:prstGeom prst="rect">
@@ -4883,8 +4883,8 @@
         </p:nvCxnSpPr>
         <p:spPr>
           <a:xfrm>
-            <a:off x="5930302" y="274320"/>
-            <a:ext cx="0" cy="1800000"/>
+            <a:off x="5912634" y="274580"/>
+            <a:ext cx="0" cy="1770672"/>
           </a:xfrm>
           <a:prstGeom prst="line">
             <a:avLst/>
@@ -4953,12 +4953,132 @@
           </a:p>
         </p:txBody>
       </p:sp>
+      <p:sp>
+        <p:nvSpPr>
+          <p:cNvPr id="126" name="テキスト ボックス 125">
+            <a:extLst>
+              <a:ext uri="{FF2B5EF4-FFF2-40B4-BE49-F238E27FC236}">
+                <a16:creationId xmlns:a16="http://schemas.microsoft.com/office/drawing/2014/main" id="{5B3FF4BF-C2DB-0B41-87BB-F5AAF4F5B156}"/>
+              </a:ext>
+            </a:extLst>
+          </p:cNvPr>
+          <p:cNvSpPr txBox="1"/>
+          <p:nvPr/>
+        </p:nvSpPr>
+        <p:spPr>
+          <a:xfrm>
+            <a:off x="3337170" y="52709"/>
+            <a:ext cx="286842" cy="307777"/>
+          </a:xfrm>
+          <a:prstGeom prst="rect">
+            <a:avLst/>
+          </a:prstGeom>
+          <a:noFill/>
+        </p:spPr>
+        <p:txBody>
+          <a:bodyPr wrap="square" rtlCol="0">
+            <a:spAutoFit/>
+          </a:bodyPr>
+          <a:lstStyle/>
+          <a:p>
+            <a:r>
+              <a:rPr kumimoji="1" lang="en-US" altLang="ja-JP" sz="1400" b="1" dirty="0">
+                <a:latin typeface="Helvetica" pitchFamily="2" charset="0"/>
+              </a:rPr>
+              <a:t>b</a:t>
+            </a:r>
+            <a:endParaRPr kumimoji="1" lang="ja-JP" altLang="en-US" sz="1400" b="1">
+              <a:latin typeface="Helvetica" pitchFamily="2" charset="0"/>
+            </a:endParaRPr>
+          </a:p>
+        </p:txBody>
+      </p:sp>
+      <p:sp>
+        <p:nvSpPr>
+          <p:cNvPr id="127" name="テキスト ボックス 126">
+            <a:extLst>
+              <a:ext uri="{FF2B5EF4-FFF2-40B4-BE49-F238E27FC236}">
+                <a16:creationId xmlns:a16="http://schemas.microsoft.com/office/drawing/2014/main" id="{412B154E-FADC-1D4A-81CE-09D93EFF1091}"/>
+              </a:ext>
+            </a:extLst>
+          </p:cNvPr>
+          <p:cNvSpPr txBox="1"/>
+          <p:nvPr/>
+        </p:nvSpPr>
+        <p:spPr>
+          <a:xfrm>
+            <a:off x="3337170" y="2162326"/>
+            <a:ext cx="286842" cy="307777"/>
+          </a:xfrm>
+          <a:prstGeom prst="rect">
+            <a:avLst/>
+          </a:prstGeom>
+          <a:noFill/>
+        </p:spPr>
+        <p:txBody>
+          <a:bodyPr wrap="square" rtlCol="0">
+            <a:spAutoFit/>
+          </a:bodyPr>
+          <a:lstStyle/>
+          <a:p>
+            <a:r>
+              <a:rPr kumimoji="1" lang="en-US" altLang="ja-JP" sz="1400" b="1" dirty="0">
+                <a:latin typeface="Helvetica" pitchFamily="2" charset="0"/>
+              </a:rPr>
+              <a:t>c</a:t>
+            </a:r>
+            <a:endParaRPr kumimoji="1" lang="ja-JP" altLang="en-US" sz="1400" b="1">
+              <a:latin typeface="Helvetica" pitchFamily="2" charset="0"/>
+            </a:endParaRPr>
+          </a:p>
+        </p:txBody>
+      </p:sp>
+      <p:sp>
+        <p:nvSpPr>
+          <p:cNvPr id="45" name="テキスト ボックス 44">
+            <a:extLst>
+              <a:ext uri="{FF2B5EF4-FFF2-40B4-BE49-F238E27FC236}">
+                <a16:creationId xmlns:a16="http://schemas.microsoft.com/office/drawing/2014/main" id="{59984F34-087C-2B47-B5AB-4983CD0D1549}"/>
+              </a:ext>
+            </a:extLst>
+          </p:cNvPr>
+          <p:cNvSpPr txBox="1"/>
+          <p:nvPr/>
+        </p:nvSpPr>
+        <p:spPr>
+          <a:xfrm>
+            <a:off x="3745504" y="3959544"/>
+            <a:ext cx="2241502" cy="230832"/>
+          </a:xfrm>
+          <a:prstGeom prst="rect">
+            <a:avLst/>
+          </a:prstGeom>
+          <a:noFill/>
+        </p:spPr>
+        <p:txBody>
+          <a:bodyPr wrap="square" rtlCol="0">
+            <a:spAutoFit/>
+          </a:bodyPr>
+          <a:lstStyle/>
+          <a:p>
+            <a:r>
+              <a:rPr kumimoji="1" lang="en-US" altLang="ja-JP" sz="900" dirty="0">
+                <a:latin typeface="Helvetica" pitchFamily="2" charset="0"/>
+              </a:rPr>
+              <a:t>Conditions (outcomes of the risky policy)</a:t>
+            </a:r>
+            <a:endParaRPr kumimoji="1" lang="ja-JP" altLang="en-US" sz="900" dirty="0">
+              <a:latin typeface="Helvetica" pitchFamily="2" charset="0"/>
+            </a:endParaRPr>
+          </a:p>
+        </p:txBody>
+      </p:sp>
       <p:cxnSp>
         <p:nvCxnSpPr>
-          <p:cNvPr id="118" name="直線コネクタ 117">
+          <p:cNvPr id="52" name="直線コネクタ 51">
             <a:extLst>
               <a:ext uri="{FF2B5EF4-FFF2-40B4-BE49-F238E27FC236}">
-                <a16:creationId xmlns:a16="http://schemas.microsoft.com/office/drawing/2014/main" id="{B784ABDF-8E2D-1244-958D-650C5E4710D4}"/>
+                <a16:creationId xmlns:a16="http://schemas.microsoft.com/office/drawing/2014/main" id="{31B89810-0ECF-FD4A-8727-833E20594AB5}"/>
               </a:ext>
             </a:extLst>
           </p:cNvPr>
@@ -4969,8 +5089,8 @@
         </p:nvCxnSpPr>
         <p:spPr>
           <a:xfrm>
-            <a:off x="5930300" y="2703396"/>
-            <a:ext cx="0" cy="1440000"/>
+            <a:off x="5912634" y="2774223"/>
+            <a:ext cx="0" cy="1364125"/>
           </a:xfrm>
           <a:prstGeom prst="line">
             <a:avLst/>
@@ -4999,126 +5119,6 @@
           </a:fontRef>
         </p:style>
       </p:cxnSp>
-      <p:sp>
-        <p:nvSpPr>
-          <p:cNvPr id="126" name="テキスト ボックス 125">
-            <a:extLst>
-              <a:ext uri="{FF2B5EF4-FFF2-40B4-BE49-F238E27FC236}">
-                <a16:creationId xmlns:a16="http://schemas.microsoft.com/office/drawing/2014/main" id="{5B3FF4BF-C2DB-0B41-87BB-F5AAF4F5B156}"/>
-              </a:ext>
-            </a:extLst>
-          </p:cNvPr>
-          <p:cNvSpPr txBox="1"/>
-          <p:nvPr/>
-        </p:nvSpPr>
-        <p:spPr>
-          <a:xfrm>
-            <a:off x="3337170" y="52709"/>
-            <a:ext cx="286842" cy="307777"/>
-          </a:xfrm>
-          <a:prstGeom prst="rect">
-            <a:avLst/>
-          </a:prstGeom>
-          <a:noFill/>
-        </p:spPr>
-        <p:txBody>
-          <a:bodyPr wrap="square" rtlCol="0">
-            <a:spAutoFit/>
-          </a:bodyPr>
-          <a:lstStyle/>
-          <a:p>
-            <a:r>
-              <a:rPr kumimoji="1" lang="en-US" altLang="ja-JP" sz="1400" b="1" dirty="0">
-                <a:latin typeface="Helvetica" pitchFamily="2" charset="0"/>
-              </a:rPr>
-              <a:t>b</a:t>
-            </a:r>
-            <a:endParaRPr kumimoji="1" lang="ja-JP" altLang="en-US" sz="1400" b="1">
-              <a:latin typeface="Helvetica" pitchFamily="2" charset="0"/>
-            </a:endParaRPr>
-          </a:p>
-        </p:txBody>
-      </p:sp>
-      <p:sp>
-        <p:nvSpPr>
-          <p:cNvPr id="127" name="テキスト ボックス 126">
-            <a:extLst>
-              <a:ext uri="{FF2B5EF4-FFF2-40B4-BE49-F238E27FC236}">
-                <a16:creationId xmlns:a16="http://schemas.microsoft.com/office/drawing/2014/main" id="{412B154E-FADC-1D4A-81CE-09D93EFF1091}"/>
-              </a:ext>
-            </a:extLst>
-          </p:cNvPr>
-          <p:cNvSpPr txBox="1"/>
-          <p:nvPr/>
-        </p:nvSpPr>
-        <p:spPr>
-          <a:xfrm>
-            <a:off x="3337170" y="2162326"/>
-            <a:ext cx="286842" cy="307777"/>
-          </a:xfrm>
-          <a:prstGeom prst="rect">
-            <a:avLst/>
-          </a:prstGeom>
-          <a:noFill/>
-        </p:spPr>
-        <p:txBody>
-          <a:bodyPr wrap="square" rtlCol="0">
-            <a:spAutoFit/>
-          </a:bodyPr>
-          <a:lstStyle/>
-          <a:p>
-            <a:r>
-              <a:rPr kumimoji="1" lang="en-US" altLang="ja-JP" sz="1400" b="1" dirty="0">
-                <a:latin typeface="Helvetica" pitchFamily="2" charset="0"/>
-              </a:rPr>
-              <a:t>c</a:t>
-            </a:r>
-            <a:endParaRPr kumimoji="1" lang="ja-JP" altLang="en-US" sz="1400" b="1">
-              <a:latin typeface="Helvetica" pitchFamily="2" charset="0"/>
-            </a:endParaRPr>
-          </a:p>
-        </p:txBody>
-      </p:sp>
-      <p:sp>
-        <p:nvSpPr>
-          <p:cNvPr id="45" name="テキスト ボックス 44">
-            <a:extLst>
-              <a:ext uri="{FF2B5EF4-FFF2-40B4-BE49-F238E27FC236}">
-                <a16:creationId xmlns:a16="http://schemas.microsoft.com/office/drawing/2014/main" id="{59984F34-087C-2B47-B5AB-4983CD0D1549}"/>
-              </a:ext>
-            </a:extLst>
-          </p:cNvPr>
-          <p:cNvSpPr txBox="1"/>
-          <p:nvPr/>
-        </p:nvSpPr>
-        <p:spPr>
-          <a:xfrm>
-            <a:off x="3745504" y="3959544"/>
-            <a:ext cx="2241502" cy="230832"/>
-          </a:xfrm>
-          <a:prstGeom prst="rect">
-            <a:avLst/>
-          </a:prstGeom>
-          <a:noFill/>
-        </p:spPr>
-        <p:txBody>
-          <a:bodyPr wrap="square" rtlCol="0">
-            <a:spAutoFit/>
-          </a:bodyPr>
-          <a:lstStyle/>
-          <a:p>
-            <a:r>
-              <a:rPr kumimoji="1" lang="en-US" altLang="ja-JP" sz="900" dirty="0">
-                <a:latin typeface="Helvetica" pitchFamily="2" charset="0"/>
-              </a:rPr>
-              <a:t>Conditions (outcomes of the risky policy)</a:t>
-            </a:r>
-            <a:endParaRPr kumimoji="1" lang="ja-JP" altLang="en-US" sz="900" dirty="0">
-              <a:latin typeface="Helvetica" pitchFamily="2" charset="0"/>
-            </a:endParaRPr>
-          </a:p>
-        </p:txBody>
-      </p:sp>
     </p:spTree>
     <p:extLst>
       <p:ext uri="{BB962C8B-B14F-4D97-AF65-F5344CB8AC3E}">
